--- a/spring15/slidesS15/propositional-operators.pptx
+++ b/spring15/slidesS15/propositional-operators.pptx
@@ -9187,7 +9187,7 @@
           <a:graphicData uri="http://schemas.openxmlformats.org/presentationml/2006/ole">
             <mc:AlternateContent xmlns:mc="http://schemas.openxmlformats.org/markup-compatibility/2006">
               <mc:Choice xmlns:v="urn:schemas-microsoft-com:vml" Requires="v">
-                <p:oleObj spid="_x0000_s239650" name="Equation" r:id="rId4" imgW="698500" imgH="863600" progId="Equation.DSMT4">
+                <p:oleObj spid="_x0000_s239655" name="Equation" r:id="rId4" imgW="698500" imgH="863600" progId="Equation.DSMT4">
                   <p:embed/>
                 </p:oleObj>
               </mc:Choice>
@@ -9249,7 +9249,7 @@
           <a:graphicData uri="http://schemas.openxmlformats.org/presentationml/2006/ole">
             <mc:AlternateContent xmlns:mc="http://schemas.openxmlformats.org/markup-compatibility/2006">
               <mc:Choice xmlns:v="urn:schemas-microsoft-com:vml" Requires="v">
-                <p:oleObj spid="_x0000_s239651" name="Equation" r:id="rId6" imgW="901700" imgH="228600" progId="Equation.DSMT4">
+                <p:oleObj spid="_x0000_s239656" name="Equation" r:id="rId6" imgW="901700" imgH="228600" progId="Equation.DSMT4">
                   <p:embed/>
                 </p:oleObj>
               </mc:Choice>
@@ -10486,7 +10486,7 @@
           <a:graphicData uri="http://schemas.openxmlformats.org/presentationml/2006/ole">
             <mc:AlternateContent xmlns:mc="http://schemas.openxmlformats.org/markup-compatibility/2006">
               <mc:Choice xmlns:v="urn:schemas-microsoft-com:vml" Requires="v">
-                <p:oleObj spid="_x0000_s236728" name="Equation" r:id="rId5" imgW="1346040" imgH="215640" progId="Equation.DSMT4">
+                <p:oleObj spid="_x0000_s236733" name="Equation" r:id="rId5" imgW="1346040" imgH="215640" progId="Equation.DSMT4">
                   <p:embed/>
                 </p:oleObj>
               </mc:Choice>
@@ -10556,7 +10556,7 @@
           <a:graphicData uri="http://schemas.openxmlformats.org/presentationml/2006/ole">
             <mc:AlternateContent xmlns:mc="http://schemas.openxmlformats.org/markup-compatibility/2006">
               <mc:Choice xmlns:v="urn:schemas-microsoft-com:vml" Requires="v">
-                <p:oleObj spid="_x0000_s236729" name="Equation" r:id="rId7" imgW="1333500" imgH="228600" progId="Equation.DSMT4">
+                <p:oleObj spid="_x0000_s236734" name="Equation" r:id="rId7" imgW="1333500" imgH="228600" progId="Equation.DSMT4">
                   <p:embed/>
                 </p:oleObj>
               </mc:Choice>
@@ -10896,7 +10896,7 @@
                             </p:stCondLst>
                             <p:childTnLst>
                               <p:par>
-                                <p:cTn id="10" presetID="9" presetClass="entr" presetSubtype="0" fill="hold" nodeType="clickEffect">
+                                <p:cTn id="10" presetID="9" presetClass="entr" presetSubtype="0" fill="hold" grpId="0" nodeType="clickEffect">
                                   <p:stCondLst>
                                     <p:cond delay="0"/>
                                   </p:stCondLst>
@@ -10909,7 +10909,7 @@
                                           </p:stCondLst>
                                         </p:cTn>
                                         <p:tgtEl>
-                                          <p:spTgt spid="236546"/>
+                                          <p:spTgt spid="259077"/>
                                         </p:tgtEl>
                                         <p:attrNameLst>
                                           <p:attrName>style.visibility</p:attrName>
@@ -10923,7 +10923,7 @@
                                       <p:cBhvr>
                                         <p:cTn id="12" dur="500"/>
                                         <p:tgtEl>
-                                          <p:spTgt spid="236546"/>
+                                          <p:spTgt spid="259077"/>
                                         </p:tgtEl>
                                       </p:cBhvr>
                                     </p:animEffect>
@@ -10949,7 +10949,7 @@
                             </p:stCondLst>
                             <p:childTnLst>
                               <p:par>
-                                <p:cTn id="15" presetID="9" presetClass="entr" presetSubtype="0" fill="hold" grpId="0" nodeType="clickEffect">
+                                <p:cTn id="15" presetID="9" presetClass="entr" presetSubtype="0" fill="hold" nodeType="clickEffect">
                                   <p:stCondLst>
                                     <p:cond delay="0"/>
                                   </p:stCondLst>
@@ -10962,7 +10962,7 @@
                                           </p:stCondLst>
                                         </p:cTn>
                                         <p:tgtEl>
-                                          <p:spTgt spid="259077"/>
+                                          <p:spTgt spid="236546"/>
                                         </p:tgtEl>
                                         <p:attrNameLst>
                                           <p:attrName>style.visibility</p:attrName>
@@ -10976,10 +10976,63 @@
                                       <p:cBhvr>
                                         <p:cTn id="17" dur="500"/>
                                         <p:tgtEl>
-                                          <p:spTgt spid="259077"/>
+                                          <p:spTgt spid="236546"/>
                                         </p:tgtEl>
                                       </p:cBhvr>
                                     </p:animEffect>
+                                  </p:childTnLst>
+                                </p:cTn>
+                              </p:par>
+                            </p:childTnLst>
+                          </p:cTn>
+                        </p:par>
+                      </p:childTnLst>
+                    </p:cTn>
+                  </p:par>
+                  <p:par>
+                    <p:cTn id="18" fill="hold">
+                      <p:stCondLst>
+                        <p:cond delay="indefinite"/>
+                      </p:stCondLst>
+                      <p:childTnLst>
+                        <p:par>
+                          <p:cTn id="19" fill="hold">
+                            <p:stCondLst>
+                              <p:cond delay="0"/>
+                            </p:stCondLst>
+                            <p:childTnLst>
+                              <p:par>
+                                <p:cTn id="20" presetID="9" presetClass="exit" presetSubtype="0" fill="hold" nodeType="clickEffect">
+                                  <p:stCondLst>
+                                    <p:cond delay="0"/>
+                                  </p:stCondLst>
+                                  <p:childTnLst>
+                                    <p:animEffect transition="out" filter="dissolve">
+                                      <p:cBhvr>
+                                        <p:cTn id="21" dur="500"/>
+                                        <p:tgtEl>
+                                          <p:spTgt spid="236546"/>
+                                        </p:tgtEl>
+                                      </p:cBhvr>
+                                    </p:animEffect>
+                                    <p:set>
+                                      <p:cBhvr>
+                                        <p:cTn id="22" dur="1" fill="hold">
+                                          <p:stCondLst>
+                                            <p:cond delay="499"/>
+                                          </p:stCondLst>
+                                        </p:cTn>
+                                        <p:tgtEl>
+                                          <p:spTgt spid="236546"/>
+                                        </p:tgtEl>
+                                        <p:attrNameLst>
+                                          <p:attrName>style.visibility</p:attrName>
+                                        </p:attrNameLst>
+                                      </p:cBhvr>
+                                      <p:to>
+                                        <p:strVal val="hidden"/>
+                                      </p:to>
+                                    </p:set>
                                   </p:childTnLst>
                                 </p:cTn>
                               </p:par>
@@ -11050,7 +11103,7 @@
           <a:graphicData uri="http://schemas.openxmlformats.org/presentationml/2006/ole">
             <mc:AlternateContent xmlns:mc="http://schemas.openxmlformats.org/markup-compatibility/2006">
               <mc:Choice xmlns:v="urn:schemas-microsoft-com:vml" Requires="v">
-                <p:oleObj spid="_x0000_s234682" name="Equation" r:id="rId5" imgW="1422360" imgH="215640" progId="Equation.DSMT4">
+                <p:oleObj spid="_x0000_s234687" name="Equation" r:id="rId5" imgW="1422360" imgH="215640" progId="Equation.DSMT4">
                   <p:embed/>
                 </p:oleObj>
               </mc:Choice>
@@ -11120,7 +11173,7 @@
           <a:graphicData uri="http://schemas.openxmlformats.org/presentationml/2006/ole">
             <mc:AlternateContent xmlns:mc="http://schemas.openxmlformats.org/markup-compatibility/2006">
               <mc:Choice xmlns:v="urn:schemas-microsoft-com:vml" Requires="v">
-                <p:oleObj spid="_x0000_s234683" name="Equation" r:id="rId7" imgW="1409700" imgH="228600" progId="Equation.DSMT4">
+                <p:oleObj spid="_x0000_s234688" name="Equation" r:id="rId7" imgW="1409700" imgH="228600" progId="Equation.DSMT4">
                   <p:embed/>
                 </p:oleObj>
               </mc:Choice>
